--- a/image/others/Presentation1.pptx
+++ b/image/others/Presentation1.pptx
@@ -249,7 +249,7 @@
           <a:p>
             <a:fld id="{FE1E33B8-7897-417E-83F6-AE1BED94DCE7}" type="datetimeFigureOut">
               <a:rPr lang="en-US" smtClean="0"/>
-              <a:t>4/25/2017</a:t>
+              <a:t>4/26/2017</a:t>
             </a:fld>
             <a:endParaRPr lang="en-US"/>
           </a:p>
@@ -419,7 +419,7 @@
           <a:p>
             <a:fld id="{FE1E33B8-7897-417E-83F6-AE1BED94DCE7}" type="datetimeFigureOut">
               <a:rPr lang="en-US" smtClean="0"/>
-              <a:t>4/25/2017</a:t>
+              <a:t>4/26/2017</a:t>
             </a:fld>
             <a:endParaRPr lang="en-US"/>
           </a:p>
@@ -599,7 +599,7 @@
           <a:p>
             <a:fld id="{FE1E33B8-7897-417E-83F6-AE1BED94DCE7}" type="datetimeFigureOut">
               <a:rPr lang="en-US" smtClean="0"/>
-              <a:t>4/25/2017</a:t>
+              <a:t>4/26/2017</a:t>
             </a:fld>
             <a:endParaRPr lang="en-US"/>
           </a:p>
@@ -769,7 +769,7 @@
           <a:p>
             <a:fld id="{FE1E33B8-7897-417E-83F6-AE1BED94DCE7}" type="datetimeFigureOut">
               <a:rPr lang="en-US" smtClean="0"/>
-              <a:t>4/25/2017</a:t>
+              <a:t>4/26/2017</a:t>
             </a:fld>
             <a:endParaRPr lang="en-US"/>
           </a:p>
@@ -1015,7 +1015,7 @@
           <a:p>
             <a:fld id="{FE1E33B8-7897-417E-83F6-AE1BED94DCE7}" type="datetimeFigureOut">
               <a:rPr lang="en-US" smtClean="0"/>
-              <a:t>4/25/2017</a:t>
+              <a:t>4/26/2017</a:t>
             </a:fld>
             <a:endParaRPr lang="en-US"/>
           </a:p>
@@ -1247,7 +1247,7 @@
           <a:p>
             <a:fld id="{FE1E33B8-7897-417E-83F6-AE1BED94DCE7}" type="datetimeFigureOut">
               <a:rPr lang="en-US" smtClean="0"/>
-              <a:t>4/25/2017</a:t>
+              <a:t>4/26/2017</a:t>
             </a:fld>
             <a:endParaRPr lang="en-US"/>
           </a:p>
@@ -1614,7 +1614,7 @@
           <a:p>
             <a:fld id="{FE1E33B8-7897-417E-83F6-AE1BED94DCE7}" type="datetimeFigureOut">
               <a:rPr lang="en-US" smtClean="0"/>
-              <a:t>4/25/2017</a:t>
+              <a:t>4/26/2017</a:t>
             </a:fld>
             <a:endParaRPr lang="en-US"/>
           </a:p>
@@ -1732,7 +1732,7 @@
           <a:p>
             <a:fld id="{FE1E33B8-7897-417E-83F6-AE1BED94DCE7}" type="datetimeFigureOut">
               <a:rPr lang="en-US" smtClean="0"/>
-              <a:t>4/25/2017</a:t>
+              <a:t>4/26/2017</a:t>
             </a:fld>
             <a:endParaRPr lang="en-US"/>
           </a:p>
@@ -1827,7 +1827,7 @@
           <a:p>
             <a:fld id="{FE1E33B8-7897-417E-83F6-AE1BED94DCE7}" type="datetimeFigureOut">
               <a:rPr lang="en-US" smtClean="0"/>
-              <a:t>4/25/2017</a:t>
+              <a:t>4/26/2017</a:t>
             </a:fld>
             <a:endParaRPr lang="en-US"/>
           </a:p>
@@ -2104,7 +2104,7 @@
           <a:p>
             <a:fld id="{FE1E33B8-7897-417E-83F6-AE1BED94DCE7}" type="datetimeFigureOut">
               <a:rPr lang="en-US" smtClean="0"/>
-              <a:t>4/25/2017</a:t>
+              <a:t>4/26/2017</a:t>
             </a:fld>
             <a:endParaRPr lang="en-US"/>
           </a:p>
@@ -2361,7 +2361,7 @@
           <a:p>
             <a:fld id="{FE1E33B8-7897-417E-83F6-AE1BED94DCE7}" type="datetimeFigureOut">
               <a:rPr lang="en-US" smtClean="0"/>
-              <a:t>4/25/2017</a:t>
+              <a:t>4/26/2017</a:t>
             </a:fld>
             <a:endParaRPr lang="en-US"/>
           </a:p>
@@ -2574,7 +2574,7 @@
           <a:p>
             <a:fld id="{FE1E33B8-7897-417E-83F6-AE1BED94DCE7}" type="datetimeFigureOut">
               <a:rPr lang="en-US" smtClean="0"/>
-              <a:t>4/25/2017</a:t>
+              <a:t>4/26/2017</a:t>
             </a:fld>
             <a:endParaRPr lang="en-US"/>
           </a:p>
@@ -3724,7 +3724,7 @@
         </p:nvSpPr>
         <p:spPr>
           <a:xfrm rot="10800000">
-            <a:off x="11394843" y="-17595"/>
+            <a:off x="10885183" y="-17595"/>
             <a:ext cx="3006957" cy="6702425"/>
           </a:xfrm>
           <a:prstGeom prst="rect">
